--- a/ML6_L1L2regularization.pptx
+++ b/ML6_L1L2regularization.pptx
@@ -9,8 +9,8 @@
     <p:sldId id="256" r:id="rId3"/>
     <p:sldId id="260" r:id="rId4"/>
     <p:sldId id="262" r:id="rId5"/>
-    <p:sldId id="257" r:id="rId6"/>
-    <p:sldId id="259" r:id="rId7"/>
+    <p:sldId id="259" r:id="rId6"/>
+    <p:sldId id="257" r:id="rId7"/>
     <p:sldId id="263" r:id="rId8"/>
   </p:sldIdLst>
   <p:sldSz cx="12192000" cy="6858000"/>
@@ -265,7 +265,7 @@
           <a:p>
             <a:fld id="{FD209AA8-877B-47FF-8D50-3FBEB9D504FA}" type="datetimeFigureOut">
               <a:rPr lang="ko-KR" altLang="en-US" smtClean="0"/>
-              <a:t>2024-10-27</a:t>
+              <a:t>2024-10-28</a:t>
             </a:fld>
             <a:endParaRPr lang="ko-KR" altLang="en-US"/>
           </a:p>
@@ -463,7 +463,7 @@
           <a:p>
             <a:fld id="{FD209AA8-877B-47FF-8D50-3FBEB9D504FA}" type="datetimeFigureOut">
               <a:rPr lang="ko-KR" altLang="en-US" smtClean="0"/>
-              <a:t>2024-10-27</a:t>
+              <a:t>2024-10-28</a:t>
             </a:fld>
             <a:endParaRPr lang="ko-KR" altLang="en-US"/>
           </a:p>
@@ -671,7 +671,7 @@
           <a:p>
             <a:fld id="{FD209AA8-877B-47FF-8D50-3FBEB9D504FA}" type="datetimeFigureOut">
               <a:rPr lang="ko-KR" altLang="en-US" smtClean="0"/>
-              <a:t>2024-10-27</a:t>
+              <a:t>2024-10-28</a:t>
             </a:fld>
             <a:endParaRPr lang="ko-KR" altLang="en-US"/>
           </a:p>
@@ -891,7 +891,7 @@
           <a:p>
             <a:fld id="{02F9C12F-11BA-43FC-9FF7-B93FC697F912}" type="datetimeFigureOut">
               <a:rPr lang="ko-KR" altLang="en-US" smtClean="0"/>
-              <a:t>2024-10-27</a:t>
+              <a:t>2024-10-28</a:t>
             </a:fld>
             <a:endParaRPr lang="ko-KR" altLang="en-US"/>
           </a:p>
@@ -1089,7 +1089,7 @@
           <a:p>
             <a:fld id="{02F9C12F-11BA-43FC-9FF7-B93FC697F912}" type="datetimeFigureOut">
               <a:rPr lang="ko-KR" altLang="en-US" smtClean="0"/>
-              <a:t>2024-10-27</a:t>
+              <a:t>2024-10-28</a:t>
             </a:fld>
             <a:endParaRPr lang="ko-KR" altLang="en-US"/>
           </a:p>
@@ -1364,7 +1364,7 @@
           <a:p>
             <a:fld id="{02F9C12F-11BA-43FC-9FF7-B93FC697F912}" type="datetimeFigureOut">
               <a:rPr lang="ko-KR" altLang="en-US" smtClean="0"/>
-              <a:t>2024-10-27</a:t>
+              <a:t>2024-10-28</a:t>
             </a:fld>
             <a:endParaRPr lang="ko-KR" altLang="en-US"/>
           </a:p>
@@ -1629,7 +1629,7 @@
           <a:p>
             <a:fld id="{02F9C12F-11BA-43FC-9FF7-B93FC697F912}" type="datetimeFigureOut">
               <a:rPr lang="ko-KR" altLang="en-US" smtClean="0"/>
-              <a:t>2024-10-27</a:t>
+              <a:t>2024-10-28</a:t>
             </a:fld>
             <a:endParaRPr lang="ko-KR" altLang="en-US"/>
           </a:p>
@@ -2041,7 +2041,7 @@
           <a:p>
             <a:fld id="{02F9C12F-11BA-43FC-9FF7-B93FC697F912}" type="datetimeFigureOut">
               <a:rPr lang="ko-KR" altLang="en-US" smtClean="0"/>
-              <a:t>2024-10-27</a:t>
+              <a:t>2024-10-28</a:t>
             </a:fld>
             <a:endParaRPr lang="ko-KR" altLang="en-US"/>
           </a:p>
@@ -2182,7 +2182,7 @@
           <a:p>
             <a:fld id="{02F9C12F-11BA-43FC-9FF7-B93FC697F912}" type="datetimeFigureOut">
               <a:rPr lang="ko-KR" altLang="en-US" smtClean="0"/>
-              <a:t>2024-10-27</a:t>
+              <a:t>2024-10-28</a:t>
             </a:fld>
             <a:endParaRPr lang="ko-KR" altLang="en-US"/>
           </a:p>
@@ -2295,7 +2295,7 @@
           <a:p>
             <a:fld id="{02F9C12F-11BA-43FC-9FF7-B93FC697F912}" type="datetimeFigureOut">
               <a:rPr lang="ko-KR" altLang="en-US" smtClean="0"/>
-              <a:t>2024-10-27</a:t>
+              <a:t>2024-10-28</a:t>
             </a:fld>
             <a:endParaRPr lang="ko-KR" altLang="en-US"/>
           </a:p>
@@ -2606,7 +2606,7 @@
           <a:p>
             <a:fld id="{02F9C12F-11BA-43FC-9FF7-B93FC697F912}" type="datetimeFigureOut">
               <a:rPr lang="ko-KR" altLang="en-US" smtClean="0"/>
-              <a:t>2024-10-27</a:t>
+              <a:t>2024-10-28</a:t>
             </a:fld>
             <a:endParaRPr lang="ko-KR" altLang="en-US"/>
           </a:p>
@@ -2804,7 +2804,7 @@
           <a:p>
             <a:fld id="{FD209AA8-877B-47FF-8D50-3FBEB9D504FA}" type="datetimeFigureOut">
               <a:rPr lang="ko-KR" altLang="en-US" smtClean="0"/>
-              <a:t>2024-10-27</a:t>
+              <a:t>2024-10-28</a:t>
             </a:fld>
             <a:endParaRPr lang="ko-KR" altLang="en-US"/>
           </a:p>
@@ -3092,7 +3092,7 @@
           <a:p>
             <a:fld id="{02F9C12F-11BA-43FC-9FF7-B93FC697F912}" type="datetimeFigureOut">
               <a:rPr lang="ko-KR" altLang="en-US" smtClean="0"/>
-              <a:t>2024-10-27</a:t>
+              <a:t>2024-10-28</a:t>
             </a:fld>
             <a:endParaRPr lang="ko-KR" altLang="en-US"/>
           </a:p>
@@ -3290,7 +3290,7 @@
           <a:p>
             <a:fld id="{02F9C12F-11BA-43FC-9FF7-B93FC697F912}" type="datetimeFigureOut">
               <a:rPr lang="ko-KR" altLang="en-US" smtClean="0"/>
-              <a:t>2024-10-27</a:t>
+              <a:t>2024-10-28</a:t>
             </a:fld>
             <a:endParaRPr lang="ko-KR" altLang="en-US"/>
           </a:p>
@@ -3498,7 +3498,7 @@
           <a:p>
             <a:fld id="{02F9C12F-11BA-43FC-9FF7-B93FC697F912}" type="datetimeFigureOut">
               <a:rPr lang="ko-KR" altLang="en-US" smtClean="0"/>
-              <a:t>2024-10-27</a:t>
+              <a:t>2024-10-28</a:t>
             </a:fld>
             <a:endParaRPr lang="ko-KR" altLang="en-US"/>
           </a:p>
@@ -3773,7 +3773,7 @@
           <a:p>
             <a:fld id="{FD209AA8-877B-47FF-8D50-3FBEB9D504FA}" type="datetimeFigureOut">
               <a:rPr lang="ko-KR" altLang="en-US" smtClean="0"/>
-              <a:t>2024-10-27</a:t>
+              <a:t>2024-10-28</a:t>
             </a:fld>
             <a:endParaRPr lang="ko-KR" altLang="en-US"/>
           </a:p>
@@ -4038,7 +4038,7 @@
           <a:p>
             <a:fld id="{FD209AA8-877B-47FF-8D50-3FBEB9D504FA}" type="datetimeFigureOut">
               <a:rPr lang="ko-KR" altLang="en-US" smtClean="0"/>
-              <a:t>2024-10-27</a:t>
+              <a:t>2024-10-28</a:t>
             </a:fld>
             <a:endParaRPr lang="ko-KR" altLang="en-US"/>
           </a:p>
@@ -4450,7 +4450,7 @@
           <a:p>
             <a:fld id="{FD209AA8-877B-47FF-8D50-3FBEB9D504FA}" type="datetimeFigureOut">
               <a:rPr lang="ko-KR" altLang="en-US" smtClean="0"/>
-              <a:t>2024-10-27</a:t>
+              <a:t>2024-10-28</a:t>
             </a:fld>
             <a:endParaRPr lang="ko-KR" altLang="en-US"/>
           </a:p>
@@ -4591,7 +4591,7 @@
           <a:p>
             <a:fld id="{FD209AA8-877B-47FF-8D50-3FBEB9D504FA}" type="datetimeFigureOut">
               <a:rPr lang="ko-KR" altLang="en-US" smtClean="0"/>
-              <a:t>2024-10-27</a:t>
+              <a:t>2024-10-28</a:t>
             </a:fld>
             <a:endParaRPr lang="ko-KR" altLang="en-US"/>
           </a:p>
@@ -4704,7 +4704,7 @@
           <a:p>
             <a:fld id="{FD209AA8-877B-47FF-8D50-3FBEB9D504FA}" type="datetimeFigureOut">
               <a:rPr lang="ko-KR" altLang="en-US" smtClean="0"/>
-              <a:t>2024-10-27</a:t>
+              <a:t>2024-10-28</a:t>
             </a:fld>
             <a:endParaRPr lang="ko-KR" altLang="en-US"/>
           </a:p>
@@ -5015,7 +5015,7 @@
           <a:p>
             <a:fld id="{FD209AA8-877B-47FF-8D50-3FBEB9D504FA}" type="datetimeFigureOut">
               <a:rPr lang="ko-KR" altLang="en-US" smtClean="0"/>
-              <a:t>2024-10-27</a:t>
+              <a:t>2024-10-28</a:t>
             </a:fld>
             <a:endParaRPr lang="ko-KR" altLang="en-US"/>
           </a:p>
@@ -5303,7 +5303,7 @@
           <a:p>
             <a:fld id="{FD209AA8-877B-47FF-8D50-3FBEB9D504FA}" type="datetimeFigureOut">
               <a:rPr lang="ko-KR" altLang="en-US" smtClean="0"/>
-              <a:t>2024-10-27</a:t>
+              <a:t>2024-10-28</a:t>
             </a:fld>
             <a:endParaRPr lang="ko-KR" altLang="en-US"/>
           </a:p>
@@ -5544,7 +5544,7 @@
           <a:p>
             <a:fld id="{FD209AA8-877B-47FF-8D50-3FBEB9D504FA}" type="datetimeFigureOut">
               <a:rPr lang="ko-KR" altLang="en-US" smtClean="0"/>
-              <a:t>2024-10-27</a:t>
+              <a:t>2024-10-28</a:t>
             </a:fld>
             <a:endParaRPr lang="ko-KR" altLang="en-US"/>
           </a:p>
@@ -6112,7 +6112,7 @@
           <a:p>
             <a:fld id="{02F9C12F-11BA-43FC-9FF7-B93FC697F912}" type="datetimeFigureOut">
               <a:rPr lang="ko-KR" altLang="en-US" smtClean="0"/>
-              <a:t>2024-10-27</a:t>
+              <a:t>2024-10-28</a:t>
             </a:fld>
             <a:endParaRPr lang="ko-KR" altLang="en-US"/>
           </a:p>
@@ -6873,7 +6873,7 @@
           <p:cNvPr id="2" name="제목 1">
             <a:extLst>
               <a:ext uri="{FF2B5EF4-FFF2-40B4-BE49-F238E27FC236}">
-                <a16:creationId xmlns:a16="http://schemas.microsoft.com/office/drawing/2014/main" id="{1CBE1ADE-570C-4DC9-AE11-3BEE49610FB8}"/>
+                <a16:creationId xmlns:a16="http://schemas.microsoft.com/office/drawing/2014/main" id="{CC7E9189-5A5A-4D31-A491-087E26298C75}"/>
               </a:ext>
             </a:extLst>
           </p:cNvPr>
@@ -6889,7 +6889,15 @@
           <a:bodyPr/>
           <a:lstStyle/>
           <a:p>
-            <a:endParaRPr lang="ko-KR" altLang="en-US"/>
+            <a:r>
+              <a:rPr lang="en-US" altLang="ko-KR" dirty="0" err="1"/>
+              <a:t>Codebasics</a:t>
+            </a:r>
+            <a:r>
+              <a:rPr lang="en-US" altLang="ko-KR" dirty="0"/>
+              <a:t>: L1, L2 regularization</a:t>
+            </a:r>
+            <a:endParaRPr lang="ko-KR" altLang="en-US" dirty="0"/>
           </a:p>
         </p:txBody>
       </p:sp>
@@ -6898,7 +6906,7 @@
           <p:cNvPr id="3" name="내용 개체 틀 2">
             <a:extLst>
               <a:ext uri="{FF2B5EF4-FFF2-40B4-BE49-F238E27FC236}">
-                <a16:creationId xmlns:a16="http://schemas.microsoft.com/office/drawing/2014/main" id="{B4A25595-601C-405B-9170-076994189AE7}"/>
+                <a16:creationId xmlns:a16="http://schemas.microsoft.com/office/drawing/2014/main" id="{ADBC2687-B1DF-4E47-8662-C7DE86C38280}"/>
               </a:ext>
             </a:extLst>
           </p:cNvPr>
@@ -6914,120 +6922,46 @@
           <a:bodyPr/>
           <a:lstStyle/>
           <a:p>
-            <a:endParaRPr lang="ko-KR" altLang="en-US"/>
-          </a:p>
-        </p:txBody>
-      </p:sp>
-      <p:pic>
-        <p:nvPicPr>
-          <p:cNvPr id="5" name="그림 4">
-            <a:extLst>
-              <a:ext uri="{FF2B5EF4-FFF2-40B4-BE49-F238E27FC236}">
-                <a16:creationId xmlns:a16="http://schemas.microsoft.com/office/drawing/2014/main" id="{B96EBC5C-DE59-44EE-9A0F-721450586657}"/>
-              </a:ext>
-            </a:extLst>
-          </p:cNvPr>
-          <p:cNvPicPr>
-            <a:picLocks noChangeAspect="1"/>
-          </p:cNvPicPr>
+            <a:endParaRPr lang="ko-KR" altLang="en-US" dirty="0"/>
+          </a:p>
+        </p:txBody>
+      </p:sp>
+      <p:sp>
+        <p:nvSpPr>
+          <p:cNvPr id="4" name="직사각형 3">
+            <a:extLst>
+              <a:ext uri="{FF2B5EF4-FFF2-40B4-BE49-F238E27FC236}">
+                <a16:creationId xmlns:a16="http://schemas.microsoft.com/office/drawing/2014/main" id="{8F2B6E24-AABE-4925-8C41-F10A2B7C7F3E}"/>
+              </a:ext>
+            </a:extLst>
+          </p:cNvPr>
+          <p:cNvSpPr/>
           <p:nvPr/>
-        </p:nvPicPr>
-        <p:blipFill>
-          <a:blip r:embed="rId2"/>
-          <a:stretch>
-            <a:fillRect/>
-          </a:stretch>
-        </p:blipFill>
+        </p:nvSpPr>
         <p:spPr>
           <a:xfrm>
-            <a:off x="1871662" y="365125"/>
-            <a:ext cx="8448675" cy="5667375"/>
+            <a:off x="1516566" y="3244334"/>
+            <a:ext cx="8798312" cy="800219"/>
           </a:xfrm>
           <a:prstGeom prst="rect">
             <a:avLst/>
           </a:prstGeom>
         </p:spPr>
-      </p:pic>
-      <p:sp>
-        <p:nvSpPr>
-          <p:cNvPr id="6" name="TextBox 5">
-            <a:extLst>
-              <a:ext uri="{FF2B5EF4-FFF2-40B4-BE49-F238E27FC236}">
-                <a16:creationId xmlns:a16="http://schemas.microsoft.com/office/drawing/2014/main" id="{26EF35F3-775B-4755-A770-2D5575F44F63}"/>
-              </a:ext>
-            </a:extLst>
-          </p:cNvPr>
-          <p:cNvSpPr txBox="1"/>
-          <p:nvPr/>
-        </p:nvSpPr>
-        <p:spPr>
-          <a:xfrm>
-            <a:off x="1371600" y="6032500"/>
-            <a:ext cx="8948737" cy="646331"/>
-          </a:xfrm>
-          <a:prstGeom prst="rect">
-            <a:avLst/>
-          </a:prstGeom>
-          <a:noFill/>
-        </p:spPr>
-        <p:txBody>
-          <a:bodyPr wrap="square" rtlCol="0">
+        <p:txBody>
+          <a:bodyPr wrap="square">
             <a:spAutoFit/>
           </a:bodyPr>
           <a:lstStyle/>
           <a:p>
             <a:r>
-              <a:rPr lang="ko-KR" altLang="en-US" dirty="0"/>
-              <a:t>고차식으로 갈수록 </a:t>
-            </a:r>
-            <a:r>
-              <a:rPr lang="en-US" altLang="ko-KR" dirty="0"/>
-              <a:t>higher polynomial</a:t>
-            </a:r>
-            <a:r>
-              <a:rPr lang="ko-KR" altLang="en-US" dirty="0"/>
-              <a:t>의 </a:t>
-            </a:r>
-            <a:r>
-              <a:rPr lang="ko-KR" altLang="en-US" dirty="0" err="1"/>
-              <a:t>계수값이</a:t>
-            </a:r>
-            <a:r>
-              <a:rPr lang="ko-KR" altLang="en-US" dirty="0"/>
-              <a:t> 커진다</a:t>
-            </a:r>
-            <a:r>
-              <a:rPr lang="en-US" altLang="ko-KR" dirty="0"/>
-              <a:t>. </a:t>
-            </a:r>
-            <a:r>
-              <a:rPr lang="ko-KR" altLang="en-US" dirty="0"/>
-              <a:t>이것에 </a:t>
-            </a:r>
-            <a:r>
-              <a:rPr lang="en-US" altLang="ko-KR" dirty="0"/>
-              <a:t>Penalty</a:t>
-            </a:r>
-            <a:r>
-              <a:rPr lang="ko-KR" altLang="en-US" dirty="0"/>
-              <a:t>를 주는 것이 </a:t>
-            </a:r>
-            <a:r>
-              <a:rPr lang="en-US" altLang="ko-KR" dirty="0"/>
-              <a:t>L1, L2 </a:t>
-            </a:r>
-            <a:r>
-              <a:rPr lang="en-US" altLang="ko-KR" dirty="0" err="1"/>
-              <a:t>regulariation</a:t>
-            </a:r>
-            <a:r>
-              <a:rPr lang="ko-KR" altLang="en-US" dirty="0"/>
-              <a:t>이다</a:t>
-            </a:r>
-            <a:r>
-              <a:rPr lang="en-US" altLang="ko-KR" dirty="0"/>
-              <a:t>.</a:t>
-            </a:r>
+              <a:rPr lang="en-US" altLang="ko-KR" sz="2800" dirty="0">
+                <a:hlinkClick r:id="rId2"/>
+              </a:rPr>
+              <a:t>https://www.youtube.com/watch?v=VqKq78PVO9g</a:t>
+            </a:r>
+            <a:endParaRPr lang="en-US" altLang="ko-KR" sz="2800" dirty="0"/>
+          </a:p>
+          <a:p>
             <a:endParaRPr lang="ko-KR" altLang="en-US" dirty="0"/>
           </a:p>
         </p:txBody>
@@ -7035,7 +6969,7 @@
     </p:spTree>
     <p:extLst>
       <p:ext uri="{BB962C8B-B14F-4D97-AF65-F5344CB8AC3E}">
-        <p14:creationId xmlns:p14="http://schemas.microsoft.com/office/powerpoint/2010/main" val="3198055178"/>
+        <p14:creationId xmlns:p14="http://schemas.microsoft.com/office/powerpoint/2010/main" val="2986089112"/>
       </p:ext>
     </p:extLst>
   </p:cSld>
@@ -7067,7 +7001,7 @@
           <p:cNvPr id="2" name="제목 1">
             <a:extLst>
               <a:ext uri="{FF2B5EF4-FFF2-40B4-BE49-F238E27FC236}">
-                <a16:creationId xmlns:a16="http://schemas.microsoft.com/office/drawing/2014/main" id="{CC7E9189-5A5A-4D31-A491-087E26298C75}"/>
+                <a16:creationId xmlns:a16="http://schemas.microsoft.com/office/drawing/2014/main" id="{1CBE1ADE-570C-4DC9-AE11-3BEE49610FB8}"/>
               </a:ext>
             </a:extLst>
           </p:cNvPr>
@@ -7083,15 +7017,7 @@
           <a:bodyPr/>
           <a:lstStyle/>
           <a:p>
-            <a:r>
-              <a:rPr lang="en-US" altLang="ko-KR" dirty="0" err="1"/>
-              <a:t>Codebasics</a:t>
-            </a:r>
-            <a:r>
-              <a:rPr lang="en-US" altLang="ko-KR" dirty="0"/>
-              <a:t>: L1, L2 regularization</a:t>
-            </a:r>
-            <a:endParaRPr lang="ko-KR" altLang="en-US" dirty="0"/>
+            <a:endParaRPr lang="ko-KR" altLang="en-US"/>
           </a:p>
         </p:txBody>
       </p:sp>
@@ -7100,7 +7026,7 @@
           <p:cNvPr id="3" name="내용 개체 틀 2">
             <a:extLst>
               <a:ext uri="{FF2B5EF4-FFF2-40B4-BE49-F238E27FC236}">
-                <a16:creationId xmlns:a16="http://schemas.microsoft.com/office/drawing/2014/main" id="{ADBC2687-B1DF-4E47-8662-C7DE86C38280}"/>
+                <a16:creationId xmlns:a16="http://schemas.microsoft.com/office/drawing/2014/main" id="{B4A25595-601C-405B-9170-076994189AE7}"/>
               </a:ext>
             </a:extLst>
           </p:cNvPr>
@@ -7116,46 +7042,120 @@
           <a:bodyPr/>
           <a:lstStyle/>
           <a:p>
-            <a:endParaRPr lang="ko-KR" altLang="en-US" dirty="0"/>
-          </a:p>
-        </p:txBody>
-      </p:sp>
-      <p:sp>
-        <p:nvSpPr>
-          <p:cNvPr id="4" name="직사각형 3">
-            <a:extLst>
-              <a:ext uri="{FF2B5EF4-FFF2-40B4-BE49-F238E27FC236}">
-                <a16:creationId xmlns:a16="http://schemas.microsoft.com/office/drawing/2014/main" id="{8F2B6E24-AABE-4925-8C41-F10A2B7C7F3E}"/>
-              </a:ext>
-            </a:extLst>
-          </p:cNvPr>
-          <p:cNvSpPr/>
+            <a:endParaRPr lang="ko-KR" altLang="en-US"/>
+          </a:p>
+        </p:txBody>
+      </p:sp>
+      <p:pic>
+        <p:nvPicPr>
+          <p:cNvPr id="5" name="그림 4">
+            <a:extLst>
+              <a:ext uri="{FF2B5EF4-FFF2-40B4-BE49-F238E27FC236}">
+                <a16:creationId xmlns:a16="http://schemas.microsoft.com/office/drawing/2014/main" id="{B96EBC5C-DE59-44EE-9A0F-721450586657}"/>
+              </a:ext>
+            </a:extLst>
+          </p:cNvPr>
+          <p:cNvPicPr>
+            <a:picLocks noChangeAspect="1"/>
+          </p:cNvPicPr>
           <p:nvPr/>
-        </p:nvSpPr>
+        </p:nvPicPr>
+        <p:blipFill>
+          <a:blip r:embed="rId2"/>
+          <a:stretch>
+            <a:fillRect/>
+          </a:stretch>
+        </p:blipFill>
         <p:spPr>
           <a:xfrm>
-            <a:off x="1516566" y="3244334"/>
-            <a:ext cx="8798312" cy="800219"/>
+            <a:off x="1871662" y="365125"/>
+            <a:ext cx="8448675" cy="5667375"/>
           </a:xfrm>
           <a:prstGeom prst="rect">
             <a:avLst/>
           </a:prstGeom>
         </p:spPr>
-        <p:txBody>
-          <a:bodyPr wrap="square">
+      </p:pic>
+      <p:sp>
+        <p:nvSpPr>
+          <p:cNvPr id="6" name="TextBox 5">
+            <a:extLst>
+              <a:ext uri="{FF2B5EF4-FFF2-40B4-BE49-F238E27FC236}">
+                <a16:creationId xmlns:a16="http://schemas.microsoft.com/office/drawing/2014/main" id="{26EF35F3-775B-4755-A770-2D5575F44F63}"/>
+              </a:ext>
+            </a:extLst>
+          </p:cNvPr>
+          <p:cNvSpPr txBox="1"/>
+          <p:nvPr/>
+        </p:nvSpPr>
+        <p:spPr>
+          <a:xfrm>
+            <a:off x="1371600" y="6032500"/>
+            <a:ext cx="8948737" cy="646331"/>
+          </a:xfrm>
+          <a:prstGeom prst="rect">
+            <a:avLst/>
+          </a:prstGeom>
+          <a:noFill/>
+        </p:spPr>
+        <p:txBody>
+          <a:bodyPr wrap="square" rtlCol="0">
             <a:spAutoFit/>
           </a:bodyPr>
           <a:lstStyle/>
           <a:p>
             <a:r>
-              <a:rPr lang="en-US" altLang="ko-KR" sz="2800" dirty="0">
-                <a:hlinkClick r:id="rId2"/>
-              </a:rPr>
-              <a:t>https://www.youtube.com/watch?v=VqKq78PVO9g</a:t>
-            </a:r>
-            <a:endParaRPr lang="en-US" altLang="ko-KR" sz="2800" dirty="0"/>
-          </a:p>
-          <a:p>
+              <a:rPr lang="ko-KR" altLang="en-US" dirty="0"/>
+              <a:t>고차식으로 갈수록 </a:t>
+            </a:r>
+            <a:r>
+              <a:rPr lang="en-US" altLang="ko-KR" dirty="0"/>
+              <a:t>higher polynomial</a:t>
+            </a:r>
+            <a:r>
+              <a:rPr lang="ko-KR" altLang="en-US" dirty="0"/>
+              <a:t>의 </a:t>
+            </a:r>
+            <a:r>
+              <a:rPr lang="ko-KR" altLang="en-US" dirty="0" err="1"/>
+              <a:t>계수값이</a:t>
+            </a:r>
+            <a:r>
+              <a:rPr lang="ko-KR" altLang="en-US" dirty="0"/>
+              <a:t> 커진다</a:t>
+            </a:r>
+            <a:r>
+              <a:rPr lang="en-US" altLang="ko-KR" dirty="0"/>
+              <a:t>. </a:t>
+            </a:r>
+            <a:r>
+              <a:rPr lang="ko-KR" altLang="en-US" dirty="0"/>
+              <a:t>이것에 </a:t>
+            </a:r>
+            <a:r>
+              <a:rPr lang="en-US" altLang="ko-KR" dirty="0"/>
+              <a:t>Penalty</a:t>
+            </a:r>
+            <a:r>
+              <a:rPr lang="ko-KR" altLang="en-US" dirty="0"/>
+              <a:t>를 주는 것이 </a:t>
+            </a:r>
+            <a:r>
+              <a:rPr lang="en-US" altLang="ko-KR" dirty="0"/>
+              <a:t>L1, L2 </a:t>
+            </a:r>
+            <a:r>
+              <a:rPr lang="en-US" altLang="ko-KR" dirty="0" err="1"/>
+              <a:t>regulariation</a:t>
+            </a:r>
+            <a:r>
+              <a:rPr lang="ko-KR" altLang="en-US" dirty="0"/>
+              <a:t>이다</a:t>
+            </a:r>
+            <a:r>
+              <a:rPr lang="en-US" altLang="ko-KR" dirty="0"/>
+              <a:t>.</a:t>
+            </a:r>
             <a:endParaRPr lang="ko-KR" altLang="en-US" dirty="0"/>
           </a:p>
         </p:txBody>
@@ -7163,7 +7163,7 @@
     </p:spTree>
     <p:extLst>
       <p:ext uri="{BB962C8B-B14F-4D97-AF65-F5344CB8AC3E}">
-        <p14:creationId xmlns:p14="http://schemas.microsoft.com/office/powerpoint/2010/main" val="2986089112"/>
+        <p14:creationId xmlns:p14="http://schemas.microsoft.com/office/powerpoint/2010/main" val="3198055178"/>
       </p:ext>
     </p:extLst>
   </p:cSld>
